--- a/presentation.pptx
+++ b/presentation.pptx
@@ -3889,12 +3889,8 @@
           <a:lstStyle/>
           <a:p>
             <a:r>
-              <a:rPr lang="ru-RU"/>
-              <a:t>Модифицированный </a:t>
-            </a:r>
-            <a:r>
               <a:rPr lang="ru-RU" dirty="0"/>
-              <a:t>метод сопряженных градиентов и его приложения в восстановлении изображений</a:t>
+              <a:t>Модифицированный метод сопряженных градиентов и его приложения в восстановлении изображений</a:t>
             </a:r>
           </a:p>
         </p:txBody>
@@ -4419,7 +4415,7 @@
           <a:p>
             <a:r>
               <a:rPr lang="ru-RU" dirty="0"/>
-              <a:t>Семейство методов с тремя слагаемыми</a:t>
+              <a:t>Семейство методов с тремя термами</a:t>
             </a:r>
           </a:p>
         </p:txBody>
@@ -4680,7 +4676,7 @@
           <a:p>
             <a:r>
               <a:rPr lang="ru-RU" dirty="0"/>
-              <a:t>Семейство методов с тремя слагаемыми</a:t>
+              <a:t>Семейство методов с тремя термами</a:t>
             </a:r>
           </a:p>
         </p:txBody>
